--- a/docs/abbildungen/20160327_uml.pptx
+++ b/docs/abbildungen/20160327_uml.pptx
@@ -3140,18 +3140,48 @@
           <a:chExt cx="0" cy="0"/>
         </a:xfrm>
       </p:grpSpPr>
-      <p:sp>
-        <p:nvSpPr>
-          <p:cNvPr id="4" name="Rechteck 3"/>
-          <p:cNvSpPr>
-            <a:spLocks noChangeAspect="1"/>
-          </p:cNvSpPr>
+      <p:pic>
+        <p:nvPicPr>
+          <p:cNvPr id="8" name="Bild 7"/>
+          <p:cNvPicPr>
+            <a:picLocks noChangeAspect="1"/>
+          </p:cNvPicPr>
           <p:nvPr/>
-        </p:nvSpPr>
+        </p:nvPicPr>
+        <p:blipFill>
+          <a:blip r:embed="rId2">
+            <a:extLst>
+              <a:ext uri="{28A0092B-C50C-407E-A947-70E740481C1C}">
+                <a14:useLocalDpi xmlns:a14="http://schemas.microsoft.com/office/drawing/2010/main" val="0"/>
+              </a:ext>
+            </a:extLst>
+          </a:blip>
+          <a:stretch>
+            <a:fillRect/>
+          </a:stretch>
+        </p:blipFill>
         <p:spPr>
           <a:xfrm>
             <a:off x="1255363" y="-1"/>
-            <a:ext cx="9000000" cy="10884312"/>
+            <a:ext cx="8985916" cy="12559859"/>
+          </a:xfrm>
+          <a:prstGeom prst="rect">
+            <a:avLst/>
+          </a:prstGeom>
+        </p:spPr>
+      </p:pic>
+      <p:sp>
+        <p:nvSpPr>
+          <p:cNvPr id="4" name="Rechteck 3"/>
+          <p:cNvSpPr>
+            <a:spLocks noChangeAspect="1"/>
+          </p:cNvSpPr>
+          <p:nvPr/>
+        </p:nvSpPr>
+        <p:spPr>
+          <a:xfrm>
+            <a:off x="1255363" y="-1"/>
+            <a:ext cx="9000000" cy="12559860"/>
           </a:xfrm>
           <a:prstGeom prst="rect">
             <a:avLst/>
@@ -3188,36 +3218,6 @@
           </a:p>
         </p:txBody>
       </p:sp>
-      <p:pic>
-        <p:nvPicPr>
-          <p:cNvPr id="9" name="Bild 8"/>
-          <p:cNvPicPr>
-            <a:picLocks noChangeAspect="1"/>
-          </p:cNvPicPr>
-          <p:nvPr/>
-        </p:nvPicPr>
-        <p:blipFill>
-          <a:blip r:embed="rId2">
-            <a:extLst>
-              <a:ext uri="{28A0092B-C50C-407E-A947-70E740481C1C}">
-                <a14:useLocalDpi xmlns:a14="http://schemas.microsoft.com/office/drawing/2010/main" val="0"/>
-              </a:ext>
-            </a:extLst>
-          </a:blip>
-          <a:stretch>
-            <a:fillRect/>
-          </a:stretch>
-        </p:blipFill>
-        <p:spPr>
-          <a:xfrm>
-            <a:off x="1255363" y="0"/>
-            <a:ext cx="9033978" cy="10884310"/>
-          </a:xfrm>
-          <a:prstGeom prst="rect">
-            <a:avLst/>
-          </a:prstGeom>
-        </p:spPr>
-      </p:pic>
       <p:sp>
         <p:nvSpPr>
           <p:cNvPr id="5" name="Rechteck 4"/>
@@ -3226,8 +3226,8 @@
         </p:nvSpPr>
         <p:spPr>
           <a:xfrm>
-            <a:off x="8843132" y="10143674"/>
-            <a:ext cx="1398147" cy="717038"/>
+            <a:off x="8851900" y="11814502"/>
+            <a:ext cx="1363979" cy="717038"/>
           </a:xfrm>
           <a:prstGeom prst="rect">
             <a:avLst/>
@@ -3266,7 +3266,7 @@
       </p:sp>
       <p:pic>
         <p:nvPicPr>
-          <p:cNvPr id="2" name="Bild 1"/>
+          <p:cNvPr id="6" name="Bild 5"/>
           <p:cNvPicPr>
             <a:picLocks noChangeAspect="1"/>
           </p:cNvPicPr>
@@ -3280,8 +3280,8 @@
         </p:blipFill>
         <p:spPr>
           <a:xfrm>
-            <a:off x="-7403989" y="-1057275"/>
-            <a:ext cx="5683028" cy="6858000"/>
+            <a:off x="3636818" y="0"/>
+            <a:ext cx="4918364" cy="6858000"/>
           </a:xfrm>
           <a:prstGeom prst="rect">
             <a:avLst/>
